--- a/docs/slides/07-Preparation.pptx
+++ b/docs/slides/07-Preparation.pptx
@@ -236,7 +236,7 @@
           <a:p>
             <a:fld id="{7C647723-25B9-CF47-A216-173A2D9E2DD6}" type="datetimeFigureOut">
               <a:rPr lang="en-US" smtClean="0"/>
-              <a:t>10/18/22</a:t>
+              <a:t>12/27/24</a:t>
             </a:fld>
             <a:endParaRPr lang="en-US"/>
           </a:p>
@@ -401,7 +401,7 @@
           <a:p>
             <a:fld id="{62ECFB24-C06C-DE40-B28C-DA8348A9C824}" type="datetimeFigureOut">
               <a:rPr lang="en-US" smtClean="0"/>
-              <a:t>10/18/22</a:t>
+              <a:t>12/27/24</a:t>
             </a:fld>
             <a:endParaRPr lang="en-US"/>
           </a:p>
@@ -1212,7 +1212,7 @@
           <a:p>
             <a:fld id="{C9A5E26F-99F5-6042-9D19-5B565D0B360D}" type="datetimeFigureOut">
               <a:rPr lang="en-US" smtClean="0"/>
-              <a:t>10/18/22</a:t>
+              <a:t>12/27/24</a:t>
             </a:fld>
             <a:endParaRPr lang="en-US"/>
           </a:p>
@@ -1410,7 +1410,7 @@
           <a:p>
             <a:fld id="{C9A5E26F-99F5-6042-9D19-5B565D0B360D}" type="datetimeFigureOut">
               <a:rPr lang="en-US" smtClean="0"/>
-              <a:t>10/18/22</a:t>
+              <a:t>12/27/24</a:t>
             </a:fld>
             <a:endParaRPr lang="en-US"/>
           </a:p>
@@ -1618,7 +1618,7 @@
           <a:p>
             <a:fld id="{C9A5E26F-99F5-6042-9D19-5B565D0B360D}" type="datetimeFigureOut">
               <a:rPr lang="en-US" smtClean="0"/>
-              <a:t>10/18/22</a:t>
+              <a:t>12/27/24</a:t>
             </a:fld>
             <a:endParaRPr lang="en-US"/>
           </a:p>
@@ -2238,7 +2238,7 @@
           <a:p>
             <a:fld id="{C9A5E26F-99F5-6042-9D19-5B565D0B360D}" type="datetimeFigureOut">
               <a:rPr lang="en-US" smtClean="0"/>
-              <a:t>10/18/22</a:t>
+              <a:t>12/27/24</a:t>
             </a:fld>
             <a:endParaRPr lang="en-US"/>
           </a:p>
@@ -2513,7 +2513,7 @@
           <a:p>
             <a:fld id="{C9A5E26F-99F5-6042-9D19-5B565D0B360D}" type="datetimeFigureOut">
               <a:rPr lang="en-US" smtClean="0"/>
-              <a:t>10/18/22</a:t>
+              <a:t>12/27/24</a:t>
             </a:fld>
             <a:endParaRPr lang="en-US"/>
           </a:p>
@@ -2778,7 +2778,7 @@
           <a:p>
             <a:fld id="{C9A5E26F-99F5-6042-9D19-5B565D0B360D}" type="datetimeFigureOut">
               <a:rPr lang="en-US" smtClean="0"/>
-              <a:t>10/18/22</a:t>
+              <a:t>12/27/24</a:t>
             </a:fld>
             <a:endParaRPr lang="en-US"/>
           </a:p>
@@ -3190,7 +3190,7 @@
           <a:p>
             <a:fld id="{C9A5E26F-99F5-6042-9D19-5B565D0B360D}" type="datetimeFigureOut">
               <a:rPr lang="en-US" smtClean="0"/>
-              <a:t>10/18/22</a:t>
+              <a:t>12/27/24</a:t>
             </a:fld>
             <a:endParaRPr lang="en-US"/>
           </a:p>
@@ -3331,7 +3331,7 @@
           <a:p>
             <a:fld id="{C9A5E26F-99F5-6042-9D19-5B565D0B360D}" type="datetimeFigureOut">
               <a:rPr lang="en-US" smtClean="0"/>
-              <a:t>10/18/22</a:t>
+              <a:t>12/27/24</a:t>
             </a:fld>
             <a:endParaRPr lang="en-US"/>
           </a:p>
@@ -3444,7 +3444,7 @@
           <a:p>
             <a:fld id="{C9A5E26F-99F5-6042-9D19-5B565D0B360D}" type="datetimeFigureOut">
               <a:rPr lang="en-US" smtClean="0"/>
-              <a:t>10/18/22</a:t>
+              <a:t>12/27/24</a:t>
             </a:fld>
             <a:endParaRPr lang="en-US"/>
           </a:p>
@@ -3755,7 +3755,7 @@
           <a:p>
             <a:fld id="{C9A5E26F-99F5-6042-9D19-5B565D0B360D}" type="datetimeFigureOut">
               <a:rPr lang="en-US" smtClean="0"/>
-              <a:t>10/18/22</a:t>
+              <a:t>12/27/24</a:t>
             </a:fld>
             <a:endParaRPr lang="en-US"/>
           </a:p>
@@ -4043,7 +4043,7 @@
           <a:p>
             <a:fld id="{C9A5E26F-99F5-6042-9D19-5B565D0B360D}" type="datetimeFigureOut">
               <a:rPr lang="en-US" smtClean="0"/>
-              <a:t>10/18/22</a:t>
+              <a:t>12/27/24</a:t>
             </a:fld>
             <a:endParaRPr lang="en-US"/>
           </a:p>
@@ -4284,7 +4284,7 @@
           <a:p>
             <a:fld id="{C9A5E26F-99F5-6042-9D19-5B565D0B360D}" type="datetimeFigureOut">
               <a:rPr lang="en-US" smtClean="0"/>
-              <a:t>10/18/22</a:t>
+              <a:t>12/27/24</a:t>
             </a:fld>
             <a:endParaRPr lang="en-US"/>
           </a:p>
@@ -6334,7 +6334,7 @@
           </a:ln>
           <a:extLst>
             <a:ext uri="{C572A759-6A51-4108-AA02-DFA0A04FC94B}">
-              <ma14:wrappingTextBoxFlag xmlns="" xmlns:m="http://schemas.openxmlformats.org/officeDocument/2006/math" xmlns:a14="http://schemas.microsoft.com/office/drawing/2010/main" xmlns:ma14="http://schemas.microsoft.com/office/mac/drawingml/2011/main" val="1"/>
+              <ma14:wrappingTextBoxFlag xmlns:ma14="http://schemas.microsoft.com/office/mac/drawingml/2011/main" xmlns:a14="http://schemas.microsoft.com/office/drawing/2010/main" xmlns:m="http://schemas.openxmlformats.org/officeDocument/2006/math" xmlns="" val="1"/>
             </a:ext>
           </a:extLst>
         </p:spPr>
@@ -6498,7 +6498,7 @@
           </a:ln>
           <a:extLst>
             <a:ext uri="{C572A759-6A51-4108-AA02-DFA0A04FC94B}">
-              <ma14:wrappingTextBoxFlag xmlns="" xmlns:m="http://schemas.openxmlformats.org/officeDocument/2006/math" xmlns:a14="http://schemas.microsoft.com/office/drawing/2010/main" xmlns:ma14="http://schemas.microsoft.com/office/mac/drawingml/2011/main" val="1"/>
+              <ma14:wrappingTextBoxFlag xmlns:ma14="http://schemas.microsoft.com/office/mac/drawingml/2011/main" xmlns:a14="http://schemas.microsoft.com/office/drawing/2010/main" xmlns:m="http://schemas.openxmlformats.org/officeDocument/2006/math" xmlns="" val="1"/>
             </a:ext>
           </a:extLst>
         </p:spPr>
@@ -6546,7 +6546,7 @@
           </a:ln>
           <a:extLst>
             <a:ext uri="{C572A759-6A51-4108-AA02-DFA0A04FC94B}">
-              <ma14:wrappingTextBoxFlag xmlns="" xmlns:m="http://schemas.openxmlformats.org/officeDocument/2006/math" xmlns:a14="http://schemas.microsoft.com/office/drawing/2010/main" xmlns:ma14="http://schemas.microsoft.com/office/mac/drawingml/2011/main" val="1"/>
+              <ma14:wrappingTextBoxFlag xmlns:ma14="http://schemas.microsoft.com/office/mac/drawingml/2011/main" xmlns:a14="http://schemas.microsoft.com/office/drawing/2010/main" xmlns:m="http://schemas.openxmlformats.org/officeDocument/2006/math" xmlns="" val="1"/>
             </a:ext>
           </a:extLst>
         </p:spPr>
@@ -6625,7 +6625,7 @@
           </a:ln>
           <a:extLst>
             <a:ext uri="{C572A759-6A51-4108-AA02-DFA0A04FC94B}">
-              <ma14:wrappingTextBoxFlag xmlns="" xmlns:m="http://schemas.openxmlformats.org/officeDocument/2006/math" xmlns:a14="http://schemas.microsoft.com/office/drawing/2010/main" xmlns:ma14="http://schemas.microsoft.com/office/mac/drawingml/2011/main" val="1"/>
+              <ma14:wrappingTextBoxFlag xmlns:ma14="http://schemas.microsoft.com/office/mac/drawingml/2011/main" xmlns:a14="http://schemas.microsoft.com/office/drawing/2010/main" xmlns:m="http://schemas.openxmlformats.org/officeDocument/2006/math" xmlns="" val="1"/>
             </a:ext>
           </a:extLst>
         </p:spPr>
@@ -6728,7 +6728,7 @@
           </a:ln>
           <a:extLst>
             <a:ext uri="{C572A759-6A51-4108-AA02-DFA0A04FC94B}">
-              <ma14:wrappingTextBoxFlag xmlns="" xmlns:m="http://schemas.openxmlformats.org/officeDocument/2006/math" xmlns:a14="http://schemas.microsoft.com/office/drawing/2010/main" xmlns:ma14="http://schemas.microsoft.com/office/mac/drawingml/2011/main" val="1"/>
+              <ma14:wrappingTextBoxFlag xmlns:ma14="http://schemas.microsoft.com/office/mac/drawingml/2011/main" xmlns:a14="http://schemas.microsoft.com/office/drawing/2010/main" xmlns:m="http://schemas.openxmlformats.org/officeDocument/2006/math" xmlns="" val="1"/>
             </a:ext>
           </a:extLst>
         </p:spPr>
@@ -6803,7 +6803,7 @@
           </a:ln>
           <a:extLst>
             <a:ext uri="{C572A759-6A51-4108-AA02-DFA0A04FC94B}">
-              <ma14:wrappingTextBoxFlag xmlns="" xmlns:m="http://schemas.openxmlformats.org/officeDocument/2006/math" xmlns:a14="http://schemas.microsoft.com/office/drawing/2010/main" xmlns:ma14="http://schemas.microsoft.com/office/mac/drawingml/2011/main" val="1"/>
+              <ma14:wrappingTextBoxFlag xmlns:ma14="http://schemas.microsoft.com/office/mac/drawingml/2011/main" xmlns:a14="http://schemas.microsoft.com/office/drawing/2010/main" xmlns:m="http://schemas.openxmlformats.org/officeDocument/2006/math" xmlns="" val="1"/>
             </a:ext>
           </a:extLst>
         </p:spPr>
@@ -6913,7 +6913,7 @@
           </a:ln>
           <a:extLst>
             <a:ext uri="{C572A759-6A51-4108-AA02-DFA0A04FC94B}">
-              <ma14:wrappingTextBoxFlag xmlns="" xmlns:m="http://schemas.openxmlformats.org/officeDocument/2006/math" xmlns:a14="http://schemas.microsoft.com/office/drawing/2010/main" xmlns:ma14="http://schemas.microsoft.com/office/mac/drawingml/2011/main" val="1"/>
+              <ma14:wrappingTextBoxFlag xmlns:ma14="http://schemas.microsoft.com/office/mac/drawingml/2011/main" xmlns:a14="http://schemas.microsoft.com/office/drawing/2010/main" xmlns:m="http://schemas.openxmlformats.org/officeDocument/2006/math" xmlns="" val="1"/>
             </a:ext>
           </a:extLst>
         </p:spPr>
